--- a/SuplementaryMaterial/IntroductionToEntropy.pptx
+++ b/SuplementaryMaterial/IntroductionToEntropy.pptx
@@ -7197,7 +7197,7 @@
                 <a:ea typeface="+mn-ea"/>
                 <a:cs typeface="+mn-cs"/>
               </a:rPr>
-              <a:t>Copyright 2022, Stephen F Elston. All rights reserved.</a:t>
+              <a:t>Copyright 2019, 2021, 2022, Stephen F Elston. All rights reserved.</a:t>
             </a:r>
           </a:p>
           <a:p>
@@ -7872,7 +7872,7 @@
                 <a:latin typeface="Segoe UI" panose="020B0502040204020203" pitchFamily="34" charset="0"/>
                 <a:cs typeface="Segoe UI" panose="020B0502040204020203" pitchFamily="34" charset="0"/>
               </a:rPr>
-              <a:t>We are working with probability distributions, so can write the expectation as: </a:t>
+              <a:t>We are working with probability distributions, so can write entropy as an expectation: </a:t>
             </a:r>
             <a:endParaRPr lang="en-US" sz="2800" b="1" dirty="0">
               <a:latin typeface="Segoe UI" panose="020B0502040204020203" pitchFamily="34" charset="0"/>
@@ -9316,6 +9316,33 @@
                                   </p:childTnLst>
                                 </p:cTn>
                               </p:par>
+                              <p:par>
+                                <p:cTn id="11" presetID="1" presetClass="entr" presetSubtype="0" fill="hold" nodeType="withEffect">
+                                  <p:stCondLst>
+                                    <p:cond delay="0"/>
+                                  </p:stCondLst>
+                                  <p:childTnLst>
+                                    <p:set>
+                                      <p:cBhvr>
+                                        <p:cTn id="12" dur="1" fill="hold">
+                                          <p:stCondLst>
+                                            <p:cond delay="0"/>
+                                          </p:stCondLst>
+                                        </p:cTn>
+                                        <p:tgtEl>
+                                          <p:spTgt spid="13"/>
+                                        </p:tgtEl>
+                                        <p:attrNameLst>
+                                          <p:attrName>style.visibility</p:attrName>
+                                        </p:attrNameLst>
+                                      </p:cBhvr>
+                                      <p:to>
+                                        <p:strVal val="visible"/>
+                                      </p:to>
+                                    </p:set>
+                                  </p:childTnLst>
+                                </p:cTn>
+                              </p:par>
                             </p:childTnLst>
                           </p:cTn>
                         </p:par>
@@ -9323,26 +9350,26 @@
                     </p:cTn>
                   </p:par>
                   <p:par>
-                    <p:cTn id="11" fill="hold">
+                    <p:cTn id="13" fill="hold">
                       <p:stCondLst>
                         <p:cond delay="indefinite"/>
                       </p:stCondLst>
                       <p:childTnLst>
                         <p:par>
-                          <p:cTn id="12" fill="hold">
+                          <p:cTn id="14" fill="hold">
                             <p:stCondLst>
                               <p:cond delay="0"/>
                             </p:stCondLst>
                             <p:childTnLst>
                               <p:par>
-                                <p:cTn id="13" presetID="1" presetClass="entr" presetSubtype="0" fill="hold" nodeType="clickEffect">
+                                <p:cTn id="15" presetID="1" presetClass="entr" presetSubtype="0" fill="hold" nodeType="clickEffect">
                                   <p:stCondLst>
                                     <p:cond delay="0"/>
                                   </p:stCondLst>
                                   <p:childTnLst>
                                     <p:set>
                                       <p:cBhvr>
-                                        <p:cTn id="14" dur="1" fill="hold">
+                                        <p:cTn id="16" dur="1" fill="hold">
                                           <p:stCondLst>
                                             <p:cond delay="0"/>
                                           </p:stCondLst>
@@ -9372,50 +9399,19 @@
                     </p:cTn>
                   </p:par>
                   <p:par>
-                    <p:cTn id="15" fill="hold">
+                    <p:cTn id="17" fill="hold">
                       <p:stCondLst>
                         <p:cond delay="indefinite"/>
                       </p:stCondLst>
                       <p:childTnLst>
                         <p:par>
-                          <p:cTn id="16" fill="hold">
+                          <p:cTn id="18" fill="hold">
                             <p:stCondLst>
                               <p:cond delay="0"/>
                             </p:stCondLst>
                             <p:childTnLst>
                               <p:par>
-                                <p:cTn id="17" presetID="1" presetClass="entr" presetSubtype="0" fill="hold" nodeType="clickEffect">
-                                  <p:stCondLst>
-                                    <p:cond delay="0"/>
-                                  </p:stCondLst>
-                                  <p:childTnLst>
-                                    <p:set>
-                                      <p:cBhvr>
-                                        <p:cTn id="18" dur="1" fill="hold">
-                                          <p:stCondLst>
-                                            <p:cond delay="0"/>
-                                          </p:stCondLst>
-                                        </p:cTn>
-                                        <p:tgtEl>
-                                          <p:spTgt spid="3">
-                                            <p:txEl>
-                                              <p:pRg st="5" end="5"/>
-                                            </p:txEl>
-                                          </p:spTgt>
-                                        </p:tgtEl>
-                                        <p:attrNameLst>
-                                          <p:attrName>style.visibility</p:attrName>
-                                        </p:attrNameLst>
-                                      </p:cBhvr>
-                                      <p:to>
-                                        <p:strVal val="visible"/>
-                                      </p:to>
-                                    </p:set>
-                                  </p:childTnLst>
-                                </p:cTn>
-                              </p:par>
-                              <p:par>
-                                <p:cTn id="19" presetID="1" presetClass="entr" presetSubtype="0" fill="hold" nodeType="withEffect">
+                                <p:cTn id="19" presetID="1" presetClass="entr" presetSubtype="0" fill="hold" nodeType="clickEffect">
                                   <p:stCondLst>
                                     <p:cond delay="0"/>
                                   </p:stCondLst>
@@ -9428,7 +9424,11 @@
                                           </p:stCondLst>
                                         </p:cTn>
                                         <p:tgtEl>
-                                          <p:spTgt spid="13"/>
+                                          <p:spTgt spid="3">
+                                            <p:txEl>
+                                              <p:pRg st="5" end="5"/>
+                                            </p:txEl>
+                                          </p:spTgt>
                                         </p:tgtEl>
                                         <p:attrNameLst>
                                           <p:attrName>style.visibility</p:attrName>
@@ -11179,7 +11179,7 @@
                 <a:latin typeface="Segoe UI" panose="020B0502040204020203" pitchFamily="34" charset="0"/>
                 <a:cs typeface="Segoe UI" panose="020B0502040204020203" pitchFamily="34" charset="0"/>
               </a:rPr>
-              <a:t>Since we don’t know P(X), use the approximation:</a:t>
+              <a:t>Since we don’t know P(X), use the mean approximation:</a:t>
             </a:r>
           </a:p>
         </p:txBody>
@@ -13516,7 +13516,7 @@
           <a:graphicData uri="http://schemas.openxmlformats.org/presentationml/2006/ole">
             <mc:AlternateContent xmlns:mc="http://schemas.openxmlformats.org/markup-compatibility/2006">
               <mc:Choice xmlns:v="urn:schemas-microsoft-com:vml" Requires="v">
-                <p:oleObj spid="_x0000_s1041" name="Equation" r:id="rId4" imgW="2806700" imgH="203200" progId="Equation.DSMT4">
+                <p:oleObj spid="_x0000_s1059" name="Equation" r:id="rId4" imgW="2806700" imgH="203200" progId="Equation.DSMT4">
                   <p:embed/>
                 </p:oleObj>
               </mc:Choice>
@@ -13573,7 +13573,7 @@
           <a:graphicData uri="http://schemas.openxmlformats.org/presentationml/2006/ole">
             <mc:AlternateContent xmlns:mc="http://schemas.openxmlformats.org/markup-compatibility/2006">
               <mc:Choice xmlns:v="urn:schemas-microsoft-com:vml" Requires="v">
-                <p:oleObj spid="_x0000_s1042" name="Equation" r:id="rId6" imgW="1943100" imgH="457200" progId="Equation.DSMT4">
+                <p:oleObj spid="_x0000_s1060" name="Equation" r:id="rId6" imgW="1943100" imgH="457200" progId="Equation.DSMT4">
                   <p:embed/>
                 </p:oleObj>
               </mc:Choice>
@@ -13630,7 +13630,7 @@
           <a:graphicData uri="http://schemas.openxmlformats.org/presentationml/2006/ole">
             <mc:AlternateContent xmlns:mc="http://schemas.openxmlformats.org/markup-compatibility/2006">
               <mc:Choice xmlns:v="urn:schemas-microsoft-com:vml" Requires="v">
-                <p:oleObj spid="_x0000_s1043" name="Equation" r:id="rId8" imgW="1498600" imgH="266700" progId="Equation.DSMT4">
+                <p:oleObj spid="_x0000_s1061" name="Equation" r:id="rId8" imgW="1498600" imgH="266700" progId="Equation.DSMT4">
                   <p:embed/>
                 </p:oleObj>
               </mc:Choice>
@@ -14646,7 +14646,7 @@
           <a:graphicData uri="http://schemas.openxmlformats.org/presentationml/2006/ole">
             <mc:AlternateContent xmlns:mc="http://schemas.openxmlformats.org/markup-compatibility/2006">
               <mc:Choice xmlns:v="urn:schemas-microsoft-com:vml" Requires="v">
-                <p:oleObj spid="_x0000_s2060" name="Equation" r:id="rId4" imgW="1943100" imgH="457200" progId="Equation.DSMT4">
+                <p:oleObj spid="_x0000_s2072" name="Equation" r:id="rId4" imgW="1943100" imgH="457200" progId="Equation.DSMT4">
                   <p:embed/>
                 </p:oleObj>
               </mc:Choice>
@@ -14703,7 +14703,7 @@
           <a:graphicData uri="http://schemas.openxmlformats.org/presentationml/2006/ole">
             <mc:AlternateContent xmlns:mc="http://schemas.openxmlformats.org/markup-compatibility/2006">
               <mc:Choice xmlns:v="urn:schemas-microsoft-com:vml" Requires="v">
-                <p:oleObj spid="_x0000_s2061" name="Equation" r:id="rId6" imgW="1498600" imgH="266700" progId="Equation.DSMT4">
+                <p:oleObj spid="_x0000_s2073" name="Equation" r:id="rId6" imgW="1498600" imgH="266700" progId="Equation.DSMT4">
                   <p:embed/>
                 </p:oleObj>
               </mc:Choice>
